--- a/doc/캡스톤 중간2차 발표자료.pptx
+++ b/doc/캡스톤 중간2차 발표자료.pptx
@@ -5,7 +5,7 @@
     <p:sldMasterId id="2147483648" r:id="rId1"/>
   </p:sldMasterIdLst>
   <p:notesMasterIdLst>
-    <p:notesMasterId r:id="rId14"/>
+    <p:notesMasterId r:id="rId15"/>
   </p:notesMasterIdLst>
   <p:sldIdLst>
     <p:sldId id="285" r:id="rId2"/>
@@ -19,7 +19,8 @@
     <p:sldId id="294" r:id="rId10"/>
     <p:sldId id="295" r:id="rId11"/>
     <p:sldId id="296" r:id="rId12"/>
-    <p:sldId id="290" r:id="rId13"/>
+    <p:sldId id="297" r:id="rId13"/>
+    <p:sldId id="290" r:id="rId14"/>
   </p:sldIdLst>
   <p:sldSz cx="12192000" cy="6858000"/>
   <p:notesSz cx="6858000" cy="9144000"/>
@@ -14295,6 +14296,1148 @@
           <a:chExt cx="0" cy="0"/>
         </a:xfrm>
       </p:grpSpPr>
+      <p:sp>
+        <p:nvSpPr>
+          <p:cNvPr id="67" name="자유형 66"/>
+          <p:cNvSpPr/>
+          <p:nvPr/>
+        </p:nvSpPr>
+        <p:spPr>
+          <a:xfrm>
+            <a:off x="297974" y="1311648"/>
+            <a:ext cx="2668252" cy="528303"/>
+          </a:xfrm>
+          <a:custGeom>
+            <a:avLst/>
+            <a:gdLst>
+              <a:gd name="connsiteX0" fmla="*/ 90527 w 3467288"/>
+              <a:gd name="connsiteY0" fmla="*/ 63543 h 330357"/>
+              <a:gd name="connsiteX1" fmla="*/ 1627 w 3467288"/>
+              <a:gd name="connsiteY1" fmla="*/ 177843 h 330357"/>
+              <a:gd name="connsiteX2" fmla="*/ 154027 w 3467288"/>
+              <a:gd name="connsiteY2" fmla="*/ 279443 h 330357"/>
+              <a:gd name="connsiteX3" fmla="*/ 674727 w 3467288"/>
+              <a:gd name="connsiteY3" fmla="*/ 330243 h 330357"/>
+              <a:gd name="connsiteX4" fmla="*/ 1271627 w 3467288"/>
+              <a:gd name="connsiteY4" fmla="*/ 266743 h 330357"/>
+              <a:gd name="connsiteX5" fmla="*/ 2122527 w 3467288"/>
+              <a:gd name="connsiteY5" fmla="*/ 317543 h 330357"/>
+              <a:gd name="connsiteX6" fmla="*/ 2376527 w 3467288"/>
+              <a:gd name="connsiteY6" fmla="*/ 215943 h 330357"/>
+              <a:gd name="connsiteX7" fmla="*/ 3049627 w 3467288"/>
+              <a:gd name="connsiteY7" fmla="*/ 254043 h 330357"/>
+              <a:gd name="connsiteX8" fmla="*/ 3430627 w 3467288"/>
+              <a:gd name="connsiteY8" fmla="*/ 266743 h 330357"/>
+              <a:gd name="connsiteX9" fmla="*/ 3430627 w 3467288"/>
+              <a:gd name="connsiteY9" fmla="*/ 139743 h 330357"/>
+              <a:gd name="connsiteX10" fmla="*/ 3240127 w 3467288"/>
+              <a:gd name="connsiteY10" fmla="*/ 12743 h 330357"/>
+              <a:gd name="connsiteX11" fmla="*/ 2998827 w 3467288"/>
+              <a:gd name="connsiteY11" fmla="*/ 76243 h 330357"/>
+              <a:gd name="connsiteX12" fmla="*/ 2351127 w 3467288"/>
+              <a:gd name="connsiteY12" fmla="*/ 43 h 330357"/>
+              <a:gd name="connsiteX13" fmla="*/ 1690727 w 3467288"/>
+              <a:gd name="connsiteY13" fmla="*/ 88943 h 330357"/>
+              <a:gd name="connsiteX14" fmla="*/ 1131927 w 3467288"/>
+              <a:gd name="connsiteY14" fmla="*/ 76243 h 330357"/>
+              <a:gd name="connsiteX15" fmla="*/ 636627 w 3467288"/>
+              <a:gd name="connsiteY15" fmla="*/ 76243 h 330357"/>
+              <a:gd name="connsiteX16" fmla="*/ 484227 w 3467288"/>
+              <a:gd name="connsiteY16" fmla="*/ 88943 h 330357"/>
+              <a:gd name="connsiteX17" fmla="*/ 344527 w 3467288"/>
+              <a:gd name="connsiteY17" fmla="*/ 12743 h 330357"/>
+              <a:gd name="connsiteX18" fmla="*/ 90527 w 3467288"/>
+              <a:gd name="connsiteY18" fmla="*/ 63543 h 330357"/>
+              <a:gd name="connsiteX0" fmla="*/ 90527 w 3467288"/>
+              <a:gd name="connsiteY0" fmla="*/ 63543 h 330357"/>
+              <a:gd name="connsiteX1" fmla="*/ 1627 w 3467288"/>
+              <a:gd name="connsiteY1" fmla="*/ 177843 h 330357"/>
+              <a:gd name="connsiteX2" fmla="*/ 154027 w 3467288"/>
+              <a:gd name="connsiteY2" fmla="*/ 279443 h 330357"/>
+              <a:gd name="connsiteX3" fmla="*/ 674727 w 3467288"/>
+              <a:gd name="connsiteY3" fmla="*/ 330243 h 330357"/>
+              <a:gd name="connsiteX4" fmla="*/ 1271627 w 3467288"/>
+              <a:gd name="connsiteY4" fmla="*/ 266743 h 330357"/>
+              <a:gd name="connsiteX5" fmla="*/ 2122527 w 3467288"/>
+              <a:gd name="connsiteY5" fmla="*/ 317543 h 330357"/>
+              <a:gd name="connsiteX6" fmla="*/ 2376527 w 3467288"/>
+              <a:gd name="connsiteY6" fmla="*/ 215943 h 330357"/>
+              <a:gd name="connsiteX7" fmla="*/ 3049627 w 3467288"/>
+              <a:gd name="connsiteY7" fmla="*/ 254043 h 330357"/>
+              <a:gd name="connsiteX8" fmla="*/ 3430627 w 3467288"/>
+              <a:gd name="connsiteY8" fmla="*/ 266743 h 330357"/>
+              <a:gd name="connsiteX9" fmla="*/ 3430627 w 3467288"/>
+              <a:gd name="connsiteY9" fmla="*/ 139743 h 330357"/>
+              <a:gd name="connsiteX10" fmla="*/ 3240127 w 3467288"/>
+              <a:gd name="connsiteY10" fmla="*/ 12743 h 330357"/>
+              <a:gd name="connsiteX11" fmla="*/ 2998827 w 3467288"/>
+              <a:gd name="connsiteY11" fmla="*/ 76243 h 330357"/>
+              <a:gd name="connsiteX12" fmla="*/ 2351127 w 3467288"/>
+              <a:gd name="connsiteY12" fmla="*/ 43 h 330357"/>
+              <a:gd name="connsiteX13" fmla="*/ 1690727 w 3467288"/>
+              <a:gd name="connsiteY13" fmla="*/ 88943 h 330357"/>
+              <a:gd name="connsiteX14" fmla="*/ 1125577 w 3467288"/>
+              <a:gd name="connsiteY14" fmla="*/ 38143 h 330357"/>
+              <a:gd name="connsiteX15" fmla="*/ 636627 w 3467288"/>
+              <a:gd name="connsiteY15" fmla="*/ 76243 h 330357"/>
+              <a:gd name="connsiteX16" fmla="*/ 484227 w 3467288"/>
+              <a:gd name="connsiteY16" fmla="*/ 88943 h 330357"/>
+              <a:gd name="connsiteX17" fmla="*/ 344527 w 3467288"/>
+              <a:gd name="connsiteY17" fmla="*/ 12743 h 330357"/>
+              <a:gd name="connsiteX18" fmla="*/ 90527 w 3467288"/>
+              <a:gd name="connsiteY18" fmla="*/ 63543 h 330357"/>
+              <a:gd name="connsiteX0" fmla="*/ 90527 w 3467288"/>
+              <a:gd name="connsiteY0" fmla="*/ 63543 h 330357"/>
+              <a:gd name="connsiteX1" fmla="*/ 1627 w 3467288"/>
+              <a:gd name="connsiteY1" fmla="*/ 177843 h 330357"/>
+              <a:gd name="connsiteX2" fmla="*/ 154027 w 3467288"/>
+              <a:gd name="connsiteY2" fmla="*/ 279443 h 330357"/>
+              <a:gd name="connsiteX3" fmla="*/ 674727 w 3467288"/>
+              <a:gd name="connsiteY3" fmla="*/ 330243 h 330357"/>
+              <a:gd name="connsiteX4" fmla="*/ 1271627 w 3467288"/>
+              <a:gd name="connsiteY4" fmla="*/ 266743 h 330357"/>
+              <a:gd name="connsiteX5" fmla="*/ 2122527 w 3467288"/>
+              <a:gd name="connsiteY5" fmla="*/ 317543 h 330357"/>
+              <a:gd name="connsiteX6" fmla="*/ 2376527 w 3467288"/>
+              <a:gd name="connsiteY6" fmla="*/ 215943 h 330357"/>
+              <a:gd name="connsiteX7" fmla="*/ 3049627 w 3467288"/>
+              <a:gd name="connsiteY7" fmla="*/ 254043 h 330357"/>
+              <a:gd name="connsiteX8" fmla="*/ 3430627 w 3467288"/>
+              <a:gd name="connsiteY8" fmla="*/ 266743 h 330357"/>
+              <a:gd name="connsiteX9" fmla="*/ 3430627 w 3467288"/>
+              <a:gd name="connsiteY9" fmla="*/ 139743 h 330357"/>
+              <a:gd name="connsiteX10" fmla="*/ 3240127 w 3467288"/>
+              <a:gd name="connsiteY10" fmla="*/ 12743 h 330357"/>
+              <a:gd name="connsiteX11" fmla="*/ 2998827 w 3467288"/>
+              <a:gd name="connsiteY11" fmla="*/ 76243 h 330357"/>
+              <a:gd name="connsiteX12" fmla="*/ 2351127 w 3467288"/>
+              <a:gd name="connsiteY12" fmla="*/ 43 h 330357"/>
+              <a:gd name="connsiteX13" fmla="*/ 1690727 w 3467288"/>
+              <a:gd name="connsiteY13" fmla="*/ 88943 h 330357"/>
+              <a:gd name="connsiteX14" fmla="*/ 1125577 w 3467288"/>
+              <a:gd name="connsiteY14" fmla="*/ 38143 h 330357"/>
+              <a:gd name="connsiteX15" fmla="*/ 636627 w 3467288"/>
+              <a:gd name="connsiteY15" fmla="*/ 76243 h 330357"/>
+              <a:gd name="connsiteX16" fmla="*/ 477877 w 3467288"/>
+              <a:gd name="connsiteY16" fmla="*/ 44493 h 330357"/>
+              <a:gd name="connsiteX17" fmla="*/ 344527 w 3467288"/>
+              <a:gd name="connsiteY17" fmla="*/ 12743 h 330357"/>
+              <a:gd name="connsiteX18" fmla="*/ 90527 w 3467288"/>
+              <a:gd name="connsiteY18" fmla="*/ 63543 h 330357"/>
+              <a:gd name="connsiteX0" fmla="*/ 90527 w 3467288"/>
+              <a:gd name="connsiteY0" fmla="*/ 63543 h 330357"/>
+              <a:gd name="connsiteX1" fmla="*/ 1627 w 3467288"/>
+              <a:gd name="connsiteY1" fmla="*/ 177843 h 330357"/>
+              <a:gd name="connsiteX2" fmla="*/ 154027 w 3467288"/>
+              <a:gd name="connsiteY2" fmla="*/ 279443 h 330357"/>
+              <a:gd name="connsiteX3" fmla="*/ 674727 w 3467288"/>
+              <a:gd name="connsiteY3" fmla="*/ 330243 h 330357"/>
+              <a:gd name="connsiteX4" fmla="*/ 1271627 w 3467288"/>
+              <a:gd name="connsiteY4" fmla="*/ 266743 h 330357"/>
+              <a:gd name="connsiteX5" fmla="*/ 2122527 w 3467288"/>
+              <a:gd name="connsiteY5" fmla="*/ 317543 h 330357"/>
+              <a:gd name="connsiteX6" fmla="*/ 2376527 w 3467288"/>
+              <a:gd name="connsiteY6" fmla="*/ 215943 h 330357"/>
+              <a:gd name="connsiteX7" fmla="*/ 3049627 w 3467288"/>
+              <a:gd name="connsiteY7" fmla="*/ 254043 h 330357"/>
+              <a:gd name="connsiteX8" fmla="*/ 3430627 w 3467288"/>
+              <a:gd name="connsiteY8" fmla="*/ 266743 h 330357"/>
+              <a:gd name="connsiteX9" fmla="*/ 3430627 w 3467288"/>
+              <a:gd name="connsiteY9" fmla="*/ 139743 h 330357"/>
+              <a:gd name="connsiteX10" fmla="*/ 3240127 w 3467288"/>
+              <a:gd name="connsiteY10" fmla="*/ 12743 h 330357"/>
+              <a:gd name="connsiteX11" fmla="*/ 2998827 w 3467288"/>
+              <a:gd name="connsiteY11" fmla="*/ 76243 h 330357"/>
+              <a:gd name="connsiteX12" fmla="*/ 2351127 w 3467288"/>
+              <a:gd name="connsiteY12" fmla="*/ 43 h 330357"/>
+              <a:gd name="connsiteX13" fmla="*/ 1690727 w 3467288"/>
+              <a:gd name="connsiteY13" fmla="*/ 88943 h 330357"/>
+              <a:gd name="connsiteX14" fmla="*/ 1125577 w 3467288"/>
+              <a:gd name="connsiteY14" fmla="*/ 38143 h 330357"/>
+              <a:gd name="connsiteX15" fmla="*/ 655677 w 3467288"/>
+              <a:gd name="connsiteY15" fmla="*/ 50843 h 330357"/>
+              <a:gd name="connsiteX16" fmla="*/ 477877 w 3467288"/>
+              <a:gd name="connsiteY16" fmla="*/ 44493 h 330357"/>
+              <a:gd name="connsiteX17" fmla="*/ 344527 w 3467288"/>
+              <a:gd name="connsiteY17" fmla="*/ 12743 h 330357"/>
+              <a:gd name="connsiteX18" fmla="*/ 90527 w 3467288"/>
+              <a:gd name="connsiteY18" fmla="*/ 63543 h 330357"/>
+              <a:gd name="connsiteX0" fmla="*/ 90527 w 3467288"/>
+              <a:gd name="connsiteY0" fmla="*/ 63946 h 330760"/>
+              <a:gd name="connsiteX1" fmla="*/ 1627 w 3467288"/>
+              <a:gd name="connsiteY1" fmla="*/ 178246 h 330760"/>
+              <a:gd name="connsiteX2" fmla="*/ 154027 w 3467288"/>
+              <a:gd name="connsiteY2" fmla="*/ 279846 h 330760"/>
+              <a:gd name="connsiteX3" fmla="*/ 674727 w 3467288"/>
+              <a:gd name="connsiteY3" fmla="*/ 330646 h 330760"/>
+              <a:gd name="connsiteX4" fmla="*/ 1271627 w 3467288"/>
+              <a:gd name="connsiteY4" fmla="*/ 267146 h 330760"/>
+              <a:gd name="connsiteX5" fmla="*/ 2122527 w 3467288"/>
+              <a:gd name="connsiteY5" fmla="*/ 317946 h 330760"/>
+              <a:gd name="connsiteX6" fmla="*/ 2376527 w 3467288"/>
+              <a:gd name="connsiteY6" fmla="*/ 216346 h 330760"/>
+              <a:gd name="connsiteX7" fmla="*/ 3049627 w 3467288"/>
+              <a:gd name="connsiteY7" fmla="*/ 254446 h 330760"/>
+              <a:gd name="connsiteX8" fmla="*/ 3430627 w 3467288"/>
+              <a:gd name="connsiteY8" fmla="*/ 267146 h 330760"/>
+              <a:gd name="connsiteX9" fmla="*/ 3430627 w 3467288"/>
+              <a:gd name="connsiteY9" fmla="*/ 140146 h 330760"/>
+              <a:gd name="connsiteX10" fmla="*/ 3240127 w 3467288"/>
+              <a:gd name="connsiteY10" fmla="*/ 13146 h 330760"/>
+              <a:gd name="connsiteX11" fmla="*/ 2998827 w 3467288"/>
+              <a:gd name="connsiteY11" fmla="*/ 76646 h 330760"/>
+              <a:gd name="connsiteX12" fmla="*/ 2351127 w 3467288"/>
+              <a:gd name="connsiteY12" fmla="*/ 446 h 330760"/>
+              <a:gd name="connsiteX13" fmla="*/ 1709777 w 3467288"/>
+              <a:gd name="connsiteY13" fmla="*/ 44896 h 330760"/>
+              <a:gd name="connsiteX14" fmla="*/ 1125577 w 3467288"/>
+              <a:gd name="connsiteY14" fmla="*/ 38546 h 330760"/>
+              <a:gd name="connsiteX15" fmla="*/ 655677 w 3467288"/>
+              <a:gd name="connsiteY15" fmla="*/ 51246 h 330760"/>
+              <a:gd name="connsiteX16" fmla="*/ 477877 w 3467288"/>
+              <a:gd name="connsiteY16" fmla="*/ 44896 h 330760"/>
+              <a:gd name="connsiteX17" fmla="*/ 344527 w 3467288"/>
+              <a:gd name="connsiteY17" fmla="*/ 13146 h 330760"/>
+              <a:gd name="connsiteX18" fmla="*/ 90527 w 3467288"/>
+              <a:gd name="connsiteY18" fmla="*/ 63946 h 330760"/>
+              <a:gd name="connsiteX0" fmla="*/ 90527 w 3467288"/>
+              <a:gd name="connsiteY0" fmla="*/ 63946 h 330760"/>
+              <a:gd name="connsiteX1" fmla="*/ 1627 w 3467288"/>
+              <a:gd name="connsiteY1" fmla="*/ 178246 h 330760"/>
+              <a:gd name="connsiteX2" fmla="*/ 154027 w 3467288"/>
+              <a:gd name="connsiteY2" fmla="*/ 279846 h 330760"/>
+              <a:gd name="connsiteX3" fmla="*/ 674727 w 3467288"/>
+              <a:gd name="connsiteY3" fmla="*/ 330646 h 330760"/>
+              <a:gd name="connsiteX4" fmla="*/ 1271627 w 3467288"/>
+              <a:gd name="connsiteY4" fmla="*/ 267146 h 330760"/>
+              <a:gd name="connsiteX5" fmla="*/ 2122527 w 3467288"/>
+              <a:gd name="connsiteY5" fmla="*/ 317946 h 330760"/>
+              <a:gd name="connsiteX6" fmla="*/ 2433677 w 3467288"/>
+              <a:gd name="connsiteY6" fmla="*/ 254446 h 330760"/>
+              <a:gd name="connsiteX7" fmla="*/ 3049627 w 3467288"/>
+              <a:gd name="connsiteY7" fmla="*/ 254446 h 330760"/>
+              <a:gd name="connsiteX8" fmla="*/ 3430627 w 3467288"/>
+              <a:gd name="connsiteY8" fmla="*/ 267146 h 330760"/>
+              <a:gd name="connsiteX9" fmla="*/ 3430627 w 3467288"/>
+              <a:gd name="connsiteY9" fmla="*/ 140146 h 330760"/>
+              <a:gd name="connsiteX10" fmla="*/ 3240127 w 3467288"/>
+              <a:gd name="connsiteY10" fmla="*/ 13146 h 330760"/>
+              <a:gd name="connsiteX11" fmla="*/ 2998827 w 3467288"/>
+              <a:gd name="connsiteY11" fmla="*/ 76646 h 330760"/>
+              <a:gd name="connsiteX12" fmla="*/ 2351127 w 3467288"/>
+              <a:gd name="connsiteY12" fmla="*/ 446 h 330760"/>
+              <a:gd name="connsiteX13" fmla="*/ 1709777 w 3467288"/>
+              <a:gd name="connsiteY13" fmla="*/ 44896 h 330760"/>
+              <a:gd name="connsiteX14" fmla="*/ 1125577 w 3467288"/>
+              <a:gd name="connsiteY14" fmla="*/ 38546 h 330760"/>
+              <a:gd name="connsiteX15" fmla="*/ 655677 w 3467288"/>
+              <a:gd name="connsiteY15" fmla="*/ 51246 h 330760"/>
+              <a:gd name="connsiteX16" fmla="*/ 477877 w 3467288"/>
+              <a:gd name="connsiteY16" fmla="*/ 44896 h 330760"/>
+              <a:gd name="connsiteX17" fmla="*/ 344527 w 3467288"/>
+              <a:gd name="connsiteY17" fmla="*/ 13146 h 330760"/>
+              <a:gd name="connsiteX18" fmla="*/ 90527 w 3467288"/>
+              <a:gd name="connsiteY18" fmla="*/ 63946 h 330760"/>
+              <a:gd name="connsiteX0" fmla="*/ 90527 w 3467288"/>
+              <a:gd name="connsiteY0" fmla="*/ 64058 h 330872"/>
+              <a:gd name="connsiteX1" fmla="*/ 1627 w 3467288"/>
+              <a:gd name="connsiteY1" fmla="*/ 178358 h 330872"/>
+              <a:gd name="connsiteX2" fmla="*/ 154027 w 3467288"/>
+              <a:gd name="connsiteY2" fmla="*/ 279958 h 330872"/>
+              <a:gd name="connsiteX3" fmla="*/ 674727 w 3467288"/>
+              <a:gd name="connsiteY3" fmla="*/ 330758 h 330872"/>
+              <a:gd name="connsiteX4" fmla="*/ 1271627 w 3467288"/>
+              <a:gd name="connsiteY4" fmla="*/ 267258 h 330872"/>
+              <a:gd name="connsiteX5" fmla="*/ 2122527 w 3467288"/>
+              <a:gd name="connsiteY5" fmla="*/ 318058 h 330872"/>
+              <a:gd name="connsiteX6" fmla="*/ 2433677 w 3467288"/>
+              <a:gd name="connsiteY6" fmla="*/ 254558 h 330872"/>
+              <a:gd name="connsiteX7" fmla="*/ 3049627 w 3467288"/>
+              <a:gd name="connsiteY7" fmla="*/ 254558 h 330872"/>
+              <a:gd name="connsiteX8" fmla="*/ 3430627 w 3467288"/>
+              <a:gd name="connsiteY8" fmla="*/ 267258 h 330872"/>
+              <a:gd name="connsiteX9" fmla="*/ 3430627 w 3467288"/>
+              <a:gd name="connsiteY9" fmla="*/ 140258 h 330872"/>
+              <a:gd name="connsiteX10" fmla="*/ 3240127 w 3467288"/>
+              <a:gd name="connsiteY10" fmla="*/ 13258 h 330872"/>
+              <a:gd name="connsiteX11" fmla="*/ 2960727 w 3467288"/>
+              <a:gd name="connsiteY11" fmla="*/ 19608 h 330872"/>
+              <a:gd name="connsiteX12" fmla="*/ 2351127 w 3467288"/>
+              <a:gd name="connsiteY12" fmla="*/ 558 h 330872"/>
+              <a:gd name="connsiteX13" fmla="*/ 1709777 w 3467288"/>
+              <a:gd name="connsiteY13" fmla="*/ 45008 h 330872"/>
+              <a:gd name="connsiteX14" fmla="*/ 1125577 w 3467288"/>
+              <a:gd name="connsiteY14" fmla="*/ 38658 h 330872"/>
+              <a:gd name="connsiteX15" fmla="*/ 655677 w 3467288"/>
+              <a:gd name="connsiteY15" fmla="*/ 51358 h 330872"/>
+              <a:gd name="connsiteX16" fmla="*/ 477877 w 3467288"/>
+              <a:gd name="connsiteY16" fmla="*/ 45008 h 330872"/>
+              <a:gd name="connsiteX17" fmla="*/ 344527 w 3467288"/>
+              <a:gd name="connsiteY17" fmla="*/ 13258 h 330872"/>
+              <a:gd name="connsiteX18" fmla="*/ 90527 w 3467288"/>
+              <a:gd name="connsiteY18" fmla="*/ 64058 h 330872"/>
+              <a:gd name="connsiteX0" fmla="*/ 90527 w 3467288"/>
+              <a:gd name="connsiteY0" fmla="*/ 64058 h 330872"/>
+              <a:gd name="connsiteX1" fmla="*/ 1627 w 3467288"/>
+              <a:gd name="connsiteY1" fmla="*/ 178358 h 330872"/>
+              <a:gd name="connsiteX2" fmla="*/ 154027 w 3467288"/>
+              <a:gd name="connsiteY2" fmla="*/ 279958 h 330872"/>
+              <a:gd name="connsiteX3" fmla="*/ 674727 w 3467288"/>
+              <a:gd name="connsiteY3" fmla="*/ 330758 h 330872"/>
+              <a:gd name="connsiteX4" fmla="*/ 1271627 w 3467288"/>
+              <a:gd name="connsiteY4" fmla="*/ 267258 h 330872"/>
+              <a:gd name="connsiteX5" fmla="*/ 2122527 w 3467288"/>
+              <a:gd name="connsiteY5" fmla="*/ 318058 h 330872"/>
+              <a:gd name="connsiteX6" fmla="*/ 2535277 w 3467288"/>
+              <a:gd name="connsiteY6" fmla="*/ 292658 h 330872"/>
+              <a:gd name="connsiteX7" fmla="*/ 3049627 w 3467288"/>
+              <a:gd name="connsiteY7" fmla="*/ 254558 h 330872"/>
+              <a:gd name="connsiteX8" fmla="*/ 3430627 w 3467288"/>
+              <a:gd name="connsiteY8" fmla="*/ 267258 h 330872"/>
+              <a:gd name="connsiteX9" fmla="*/ 3430627 w 3467288"/>
+              <a:gd name="connsiteY9" fmla="*/ 140258 h 330872"/>
+              <a:gd name="connsiteX10" fmla="*/ 3240127 w 3467288"/>
+              <a:gd name="connsiteY10" fmla="*/ 13258 h 330872"/>
+              <a:gd name="connsiteX11" fmla="*/ 2960727 w 3467288"/>
+              <a:gd name="connsiteY11" fmla="*/ 19608 h 330872"/>
+              <a:gd name="connsiteX12" fmla="*/ 2351127 w 3467288"/>
+              <a:gd name="connsiteY12" fmla="*/ 558 h 330872"/>
+              <a:gd name="connsiteX13" fmla="*/ 1709777 w 3467288"/>
+              <a:gd name="connsiteY13" fmla="*/ 45008 h 330872"/>
+              <a:gd name="connsiteX14" fmla="*/ 1125577 w 3467288"/>
+              <a:gd name="connsiteY14" fmla="*/ 38658 h 330872"/>
+              <a:gd name="connsiteX15" fmla="*/ 655677 w 3467288"/>
+              <a:gd name="connsiteY15" fmla="*/ 51358 h 330872"/>
+              <a:gd name="connsiteX16" fmla="*/ 477877 w 3467288"/>
+              <a:gd name="connsiteY16" fmla="*/ 45008 h 330872"/>
+              <a:gd name="connsiteX17" fmla="*/ 344527 w 3467288"/>
+              <a:gd name="connsiteY17" fmla="*/ 13258 h 330872"/>
+              <a:gd name="connsiteX18" fmla="*/ 90527 w 3467288"/>
+              <a:gd name="connsiteY18" fmla="*/ 64058 h 330872"/>
+              <a:gd name="connsiteX0" fmla="*/ 90527 w 3465950"/>
+              <a:gd name="connsiteY0" fmla="*/ 64058 h 330872"/>
+              <a:gd name="connsiteX1" fmla="*/ 1627 w 3465950"/>
+              <a:gd name="connsiteY1" fmla="*/ 178358 h 330872"/>
+              <a:gd name="connsiteX2" fmla="*/ 154027 w 3465950"/>
+              <a:gd name="connsiteY2" fmla="*/ 279958 h 330872"/>
+              <a:gd name="connsiteX3" fmla="*/ 674727 w 3465950"/>
+              <a:gd name="connsiteY3" fmla="*/ 330758 h 330872"/>
+              <a:gd name="connsiteX4" fmla="*/ 1271627 w 3465950"/>
+              <a:gd name="connsiteY4" fmla="*/ 267258 h 330872"/>
+              <a:gd name="connsiteX5" fmla="*/ 2122527 w 3465950"/>
+              <a:gd name="connsiteY5" fmla="*/ 318058 h 330872"/>
+              <a:gd name="connsiteX6" fmla="*/ 2535277 w 3465950"/>
+              <a:gd name="connsiteY6" fmla="*/ 292658 h 330872"/>
+              <a:gd name="connsiteX7" fmla="*/ 3068677 w 3465950"/>
+              <a:gd name="connsiteY7" fmla="*/ 318058 h 330872"/>
+              <a:gd name="connsiteX8" fmla="*/ 3430627 w 3465950"/>
+              <a:gd name="connsiteY8" fmla="*/ 267258 h 330872"/>
+              <a:gd name="connsiteX9" fmla="*/ 3430627 w 3465950"/>
+              <a:gd name="connsiteY9" fmla="*/ 140258 h 330872"/>
+              <a:gd name="connsiteX10" fmla="*/ 3240127 w 3465950"/>
+              <a:gd name="connsiteY10" fmla="*/ 13258 h 330872"/>
+              <a:gd name="connsiteX11" fmla="*/ 2960727 w 3465950"/>
+              <a:gd name="connsiteY11" fmla="*/ 19608 h 330872"/>
+              <a:gd name="connsiteX12" fmla="*/ 2351127 w 3465950"/>
+              <a:gd name="connsiteY12" fmla="*/ 558 h 330872"/>
+              <a:gd name="connsiteX13" fmla="*/ 1709777 w 3465950"/>
+              <a:gd name="connsiteY13" fmla="*/ 45008 h 330872"/>
+              <a:gd name="connsiteX14" fmla="*/ 1125577 w 3465950"/>
+              <a:gd name="connsiteY14" fmla="*/ 38658 h 330872"/>
+              <a:gd name="connsiteX15" fmla="*/ 655677 w 3465950"/>
+              <a:gd name="connsiteY15" fmla="*/ 51358 h 330872"/>
+              <a:gd name="connsiteX16" fmla="*/ 477877 w 3465950"/>
+              <a:gd name="connsiteY16" fmla="*/ 45008 h 330872"/>
+              <a:gd name="connsiteX17" fmla="*/ 344527 w 3465950"/>
+              <a:gd name="connsiteY17" fmla="*/ 13258 h 330872"/>
+              <a:gd name="connsiteX18" fmla="*/ 90527 w 3465950"/>
+              <a:gd name="connsiteY18" fmla="*/ 64058 h 330872"/>
+              <a:gd name="connsiteX0" fmla="*/ 90527 w 3465950"/>
+              <a:gd name="connsiteY0" fmla="*/ 64058 h 332174"/>
+              <a:gd name="connsiteX1" fmla="*/ 1627 w 3465950"/>
+              <a:gd name="connsiteY1" fmla="*/ 178358 h 332174"/>
+              <a:gd name="connsiteX2" fmla="*/ 154027 w 3465950"/>
+              <a:gd name="connsiteY2" fmla="*/ 279958 h 332174"/>
+              <a:gd name="connsiteX3" fmla="*/ 674727 w 3465950"/>
+              <a:gd name="connsiteY3" fmla="*/ 330758 h 332174"/>
+              <a:gd name="connsiteX4" fmla="*/ 1271627 w 3465950"/>
+              <a:gd name="connsiteY4" fmla="*/ 318058 h 332174"/>
+              <a:gd name="connsiteX5" fmla="*/ 2122527 w 3465950"/>
+              <a:gd name="connsiteY5" fmla="*/ 318058 h 332174"/>
+              <a:gd name="connsiteX6" fmla="*/ 2535277 w 3465950"/>
+              <a:gd name="connsiteY6" fmla="*/ 292658 h 332174"/>
+              <a:gd name="connsiteX7" fmla="*/ 3068677 w 3465950"/>
+              <a:gd name="connsiteY7" fmla="*/ 318058 h 332174"/>
+              <a:gd name="connsiteX8" fmla="*/ 3430627 w 3465950"/>
+              <a:gd name="connsiteY8" fmla="*/ 267258 h 332174"/>
+              <a:gd name="connsiteX9" fmla="*/ 3430627 w 3465950"/>
+              <a:gd name="connsiteY9" fmla="*/ 140258 h 332174"/>
+              <a:gd name="connsiteX10" fmla="*/ 3240127 w 3465950"/>
+              <a:gd name="connsiteY10" fmla="*/ 13258 h 332174"/>
+              <a:gd name="connsiteX11" fmla="*/ 2960727 w 3465950"/>
+              <a:gd name="connsiteY11" fmla="*/ 19608 h 332174"/>
+              <a:gd name="connsiteX12" fmla="*/ 2351127 w 3465950"/>
+              <a:gd name="connsiteY12" fmla="*/ 558 h 332174"/>
+              <a:gd name="connsiteX13" fmla="*/ 1709777 w 3465950"/>
+              <a:gd name="connsiteY13" fmla="*/ 45008 h 332174"/>
+              <a:gd name="connsiteX14" fmla="*/ 1125577 w 3465950"/>
+              <a:gd name="connsiteY14" fmla="*/ 38658 h 332174"/>
+              <a:gd name="connsiteX15" fmla="*/ 655677 w 3465950"/>
+              <a:gd name="connsiteY15" fmla="*/ 51358 h 332174"/>
+              <a:gd name="connsiteX16" fmla="*/ 477877 w 3465950"/>
+              <a:gd name="connsiteY16" fmla="*/ 45008 h 332174"/>
+              <a:gd name="connsiteX17" fmla="*/ 344527 w 3465950"/>
+              <a:gd name="connsiteY17" fmla="*/ 13258 h 332174"/>
+              <a:gd name="connsiteX18" fmla="*/ 90527 w 3465950"/>
+              <a:gd name="connsiteY18" fmla="*/ 64058 h 332174"/>
+              <a:gd name="connsiteX0" fmla="*/ 90527 w 3465950"/>
+              <a:gd name="connsiteY0" fmla="*/ 64058 h 363140"/>
+              <a:gd name="connsiteX1" fmla="*/ 1627 w 3465950"/>
+              <a:gd name="connsiteY1" fmla="*/ 178358 h 363140"/>
+              <a:gd name="connsiteX2" fmla="*/ 154027 w 3465950"/>
+              <a:gd name="connsiteY2" fmla="*/ 279958 h 363140"/>
+              <a:gd name="connsiteX3" fmla="*/ 579477 w 3465950"/>
+              <a:gd name="connsiteY3" fmla="*/ 362508 h 363140"/>
+              <a:gd name="connsiteX4" fmla="*/ 1271627 w 3465950"/>
+              <a:gd name="connsiteY4" fmla="*/ 318058 h 363140"/>
+              <a:gd name="connsiteX5" fmla="*/ 2122527 w 3465950"/>
+              <a:gd name="connsiteY5" fmla="*/ 318058 h 363140"/>
+              <a:gd name="connsiteX6" fmla="*/ 2535277 w 3465950"/>
+              <a:gd name="connsiteY6" fmla="*/ 292658 h 363140"/>
+              <a:gd name="connsiteX7" fmla="*/ 3068677 w 3465950"/>
+              <a:gd name="connsiteY7" fmla="*/ 318058 h 363140"/>
+              <a:gd name="connsiteX8" fmla="*/ 3430627 w 3465950"/>
+              <a:gd name="connsiteY8" fmla="*/ 267258 h 363140"/>
+              <a:gd name="connsiteX9" fmla="*/ 3430627 w 3465950"/>
+              <a:gd name="connsiteY9" fmla="*/ 140258 h 363140"/>
+              <a:gd name="connsiteX10" fmla="*/ 3240127 w 3465950"/>
+              <a:gd name="connsiteY10" fmla="*/ 13258 h 363140"/>
+              <a:gd name="connsiteX11" fmla="*/ 2960727 w 3465950"/>
+              <a:gd name="connsiteY11" fmla="*/ 19608 h 363140"/>
+              <a:gd name="connsiteX12" fmla="*/ 2351127 w 3465950"/>
+              <a:gd name="connsiteY12" fmla="*/ 558 h 363140"/>
+              <a:gd name="connsiteX13" fmla="*/ 1709777 w 3465950"/>
+              <a:gd name="connsiteY13" fmla="*/ 45008 h 363140"/>
+              <a:gd name="connsiteX14" fmla="*/ 1125577 w 3465950"/>
+              <a:gd name="connsiteY14" fmla="*/ 38658 h 363140"/>
+              <a:gd name="connsiteX15" fmla="*/ 655677 w 3465950"/>
+              <a:gd name="connsiteY15" fmla="*/ 51358 h 363140"/>
+              <a:gd name="connsiteX16" fmla="*/ 477877 w 3465950"/>
+              <a:gd name="connsiteY16" fmla="*/ 45008 h 363140"/>
+              <a:gd name="connsiteX17" fmla="*/ 344527 w 3465950"/>
+              <a:gd name="connsiteY17" fmla="*/ 13258 h 363140"/>
+              <a:gd name="connsiteX18" fmla="*/ 90527 w 3465950"/>
+              <a:gd name="connsiteY18" fmla="*/ 64058 h 363140"/>
+              <a:gd name="connsiteX0" fmla="*/ 89402 w 3464825"/>
+              <a:gd name="connsiteY0" fmla="*/ 64058 h 362529"/>
+              <a:gd name="connsiteX1" fmla="*/ 502 w 3464825"/>
+              <a:gd name="connsiteY1" fmla="*/ 178358 h 362529"/>
+              <a:gd name="connsiteX2" fmla="*/ 121152 w 3464825"/>
+              <a:gd name="connsiteY2" fmla="*/ 311708 h 362529"/>
+              <a:gd name="connsiteX3" fmla="*/ 578352 w 3464825"/>
+              <a:gd name="connsiteY3" fmla="*/ 362508 h 362529"/>
+              <a:gd name="connsiteX4" fmla="*/ 1270502 w 3464825"/>
+              <a:gd name="connsiteY4" fmla="*/ 318058 h 362529"/>
+              <a:gd name="connsiteX5" fmla="*/ 2121402 w 3464825"/>
+              <a:gd name="connsiteY5" fmla="*/ 318058 h 362529"/>
+              <a:gd name="connsiteX6" fmla="*/ 2534152 w 3464825"/>
+              <a:gd name="connsiteY6" fmla="*/ 292658 h 362529"/>
+              <a:gd name="connsiteX7" fmla="*/ 3067552 w 3464825"/>
+              <a:gd name="connsiteY7" fmla="*/ 318058 h 362529"/>
+              <a:gd name="connsiteX8" fmla="*/ 3429502 w 3464825"/>
+              <a:gd name="connsiteY8" fmla="*/ 267258 h 362529"/>
+              <a:gd name="connsiteX9" fmla="*/ 3429502 w 3464825"/>
+              <a:gd name="connsiteY9" fmla="*/ 140258 h 362529"/>
+              <a:gd name="connsiteX10" fmla="*/ 3239002 w 3464825"/>
+              <a:gd name="connsiteY10" fmla="*/ 13258 h 362529"/>
+              <a:gd name="connsiteX11" fmla="*/ 2959602 w 3464825"/>
+              <a:gd name="connsiteY11" fmla="*/ 19608 h 362529"/>
+              <a:gd name="connsiteX12" fmla="*/ 2350002 w 3464825"/>
+              <a:gd name="connsiteY12" fmla="*/ 558 h 362529"/>
+              <a:gd name="connsiteX13" fmla="*/ 1708652 w 3464825"/>
+              <a:gd name="connsiteY13" fmla="*/ 45008 h 362529"/>
+              <a:gd name="connsiteX14" fmla="*/ 1124452 w 3464825"/>
+              <a:gd name="connsiteY14" fmla="*/ 38658 h 362529"/>
+              <a:gd name="connsiteX15" fmla="*/ 654552 w 3464825"/>
+              <a:gd name="connsiteY15" fmla="*/ 51358 h 362529"/>
+              <a:gd name="connsiteX16" fmla="*/ 476752 w 3464825"/>
+              <a:gd name="connsiteY16" fmla="*/ 45008 h 362529"/>
+              <a:gd name="connsiteX17" fmla="*/ 343402 w 3464825"/>
+              <a:gd name="connsiteY17" fmla="*/ 13258 h 362529"/>
+              <a:gd name="connsiteX18" fmla="*/ 89402 w 3464825"/>
+              <a:gd name="connsiteY18" fmla="*/ 64058 h 362529"/>
+            </a:gdLst>
+            <a:ahLst/>
+            <a:cxnLst>
+              <a:cxn ang="0">
+                <a:pos x="connsiteX0" y="connsiteY0"/>
+              </a:cxn>
+              <a:cxn ang="0">
+                <a:pos x="connsiteX1" y="connsiteY1"/>
+              </a:cxn>
+              <a:cxn ang="0">
+                <a:pos x="connsiteX2" y="connsiteY2"/>
+              </a:cxn>
+              <a:cxn ang="0">
+                <a:pos x="connsiteX3" y="connsiteY3"/>
+              </a:cxn>
+              <a:cxn ang="0">
+                <a:pos x="connsiteX4" y="connsiteY4"/>
+              </a:cxn>
+              <a:cxn ang="0">
+                <a:pos x="connsiteX5" y="connsiteY5"/>
+              </a:cxn>
+              <a:cxn ang="0">
+                <a:pos x="connsiteX6" y="connsiteY6"/>
+              </a:cxn>
+              <a:cxn ang="0">
+                <a:pos x="connsiteX7" y="connsiteY7"/>
+              </a:cxn>
+              <a:cxn ang="0">
+                <a:pos x="connsiteX8" y="connsiteY8"/>
+              </a:cxn>
+              <a:cxn ang="0">
+                <a:pos x="connsiteX9" y="connsiteY9"/>
+              </a:cxn>
+              <a:cxn ang="0">
+                <a:pos x="connsiteX10" y="connsiteY10"/>
+              </a:cxn>
+              <a:cxn ang="0">
+                <a:pos x="connsiteX11" y="connsiteY11"/>
+              </a:cxn>
+              <a:cxn ang="0">
+                <a:pos x="connsiteX12" y="connsiteY12"/>
+              </a:cxn>
+              <a:cxn ang="0">
+                <a:pos x="connsiteX13" y="connsiteY13"/>
+              </a:cxn>
+              <a:cxn ang="0">
+                <a:pos x="connsiteX14" y="connsiteY14"/>
+              </a:cxn>
+              <a:cxn ang="0">
+                <a:pos x="connsiteX15" y="connsiteY15"/>
+              </a:cxn>
+              <a:cxn ang="0">
+                <a:pos x="connsiteX16" y="connsiteY16"/>
+              </a:cxn>
+              <a:cxn ang="0">
+                <a:pos x="connsiteX17" y="connsiteY17"/>
+              </a:cxn>
+              <a:cxn ang="0">
+                <a:pos x="connsiteX18" y="connsiteY18"/>
+              </a:cxn>
+            </a:cxnLst>
+            <a:rect l="l" t="t" r="r" b="b"/>
+            <a:pathLst>
+              <a:path w="3464825" h="362529">
+                <a:moveTo>
+                  <a:pt x="89402" y="64058"/>
+                </a:moveTo>
+                <a:cubicBezTo>
+                  <a:pt x="32252" y="91575"/>
+                  <a:pt x="-4790" y="137083"/>
+                  <a:pt x="502" y="178358"/>
+                </a:cubicBezTo>
+                <a:cubicBezTo>
+                  <a:pt x="5794" y="219633"/>
+                  <a:pt x="24844" y="281016"/>
+                  <a:pt x="121152" y="311708"/>
+                </a:cubicBezTo>
+                <a:cubicBezTo>
+                  <a:pt x="217460" y="342400"/>
+                  <a:pt x="386794" y="361450"/>
+                  <a:pt x="578352" y="362508"/>
+                </a:cubicBezTo>
+                <a:cubicBezTo>
+                  <a:pt x="769910" y="363566"/>
+                  <a:pt x="1013327" y="325466"/>
+                  <a:pt x="1270502" y="318058"/>
+                </a:cubicBezTo>
+                <a:cubicBezTo>
+                  <a:pt x="1527677" y="310650"/>
+                  <a:pt x="1837769" y="318058"/>
+                  <a:pt x="2121402" y="318058"/>
+                </a:cubicBezTo>
+                <a:cubicBezTo>
+                  <a:pt x="2332010" y="313825"/>
+                  <a:pt x="2376460" y="292658"/>
+                  <a:pt x="2534152" y="292658"/>
+                </a:cubicBezTo>
+                <a:cubicBezTo>
+                  <a:pt x="2691844" y="292658"/>
+                  <a:pt x="2918327" y="322291"/>
+                  <a:pt x="3067552" y="318058"/>
+                </a:cubicBezTo>
+                <a:cubicBezTo>
+                  <a:pt x="3216777" y="313825"/>
+                  <a:pt x="3369177" y="296891"/>
+                  <a:pt x="3429502" y="267258"/>
+                </a:cubicBezTo>
+                <a:cubicBezTo>
+                  <a:pt x="3489827" y="237625"/>
+                  <a:pt x="3461252" y="182591"/>
+                  <a:pt x="3429502" y="140258"/>
+                </a:cubicBezTo>
+                <a:cubicBezTo>
+                  <a:pt x="3397752" y="97925"/>
+                  <a:pt x="3317319" y="33366"/>
+                  <a:pt x="3239002" y="13258"/>
+                </a:cubicBezTo>
+                <a:cubicBezTo>
+                  <a:pt x="3160685" y="-6850"/>
+                  <a:pt x="3107769" y="21725"/>
+                  <a:pt x="2959602" y="19608"/>
+                </a:cubicBezTo>
+                <a:cubicBezTo>
+                  <a:pt x="2811435" y="17491"/>
+                  <a:pt x="2558494" y="-3675"/>
+                  <a:pt x="2350002" y="558"/>
+                </a:cubicBezTo>
+                <a:cubicBezTo>
+                  <a:pt x="2141510" y="4791"/>
+                  <a:pt x="1912910" y="38658"/>
+                  <a:pt x="1708652" y="45008"/>
+                </a:cubicBezTo>
+                <a:cubicBezTo>
+                  <a:pt x="1504394" y="51358"/>
+                  <a:pt x="1300135" y="37600"/>
+                  <a:pt x="1124452" y="38658"/>
+                </a:cubicBezTo>
+                <a:cubicBezTo>
+                  <a:pt x="948769" y="39716"/>
+                  <a:pt x="811185" y="47125"/>
+                  <a:pt x="654552" y="51358"/>
+                </a:cubicBezTo>
+                <a:cubicBezTo>
+                  <a:pt x="546602" y="52416"/>
+                  <a:pt x="525435" y="55591"/>
+                  <a:pt x="476752" y="45008"/>
+                </a:cubicBezTo>
+                <a:cubicBezTo>
+                  <a:pt x="428069" y="34425"/>
+                  <a:pt x="407960" y="10083"/>
+                  <a:pt x="343402" y="13258"/>
+                </a:cubicBezTo>
+                <a:cubicBezTo>
+                  <a:pt x="278844" y="16433"/>
+                  <a:pt x="146552" y="36541"/>
+                  <a:pt x="89402" y="64058"/>
+                </a:cubicBezTo>
+                <a:close/>
+              </a:path>
+            </a:pathLst>
+          </a:custGeom>
+          <a:solidFill>
+            <a:srgbClr val="FF9999"/>
+          </a:solidFill>
+          <a:ln>
+            <a:noFill/>
+          </a:ln>
+        </p:spPr>
+        <p:style>
+          <a:lnRef idx="2">
+            <a:schemeClr val="accent1">
+              <a:shade val="50000"/>
+            </a:schemeClr>
+          </a:lnRef>
+          <a:fillRef idx="1">
+            <a:schemeClr val="accent1"/>
+          </a:fillRef>
+          <a:effectRef idx="0">
+            <a:schemeClr val="accent1"/>
+          </a:effectRef>
+          <a:fontRef idx="minor">
+            <a:schemeClr val="lt1"/>
+          </a:fontRef>
+        </p:style>
+        <p:txBody>
+          <a:bodyPr rtlCol="0" anchor="ctr"/>
+          <a:lstStyle/>
+          <a:p>
+            <a:pPr algn="ctr"/>
+            <a:r>
+              <a:rPr lang="en-US" altLang="ko-KR" sz="1600" b="1" dirty="0" err="1">
+                <a:solidFill>
+                  <a:schemeClr val="bg1"/>
+                </a:solidFill>
+                <a:latin typeface="야놀자 야체 B" panose="02020603020101020101" pitchFamily="18" charset="-127"/>
+                <a:ea typeface="야놀자 야체 B" panose="02020603020101020101" pitchFamily="18" charset="-127"/>
+              </a:rPr>
+              <a:t>Irmi</a:t>
+            </a:r>
+            <a:r>
+              <a:rPr lang="en-US" altLang="ko-KR" sz="1600" b="1" dirty="0">
+                <a:solidFill>
+                  <a:schemeClr val="bg1"/>
+                </a:solidFill>
+                <a:latin typeface="야놀자 야체 B" panose="02020603020101020101" pitchFamily="18" charset="-127"/>
+                <a:ea typeface="야놀자 야체 B" panose="02020603020101020101" pitchFamily="18" charset="-127"/>
+              </a:rPr>
+              <a:t> </a:t>
+            </a:r>
+            <a:r>
+              <a:rPr lang="ko-KR" altLang="en-US" sz="1600" b="1" dirty="0">
+                <a:solidFill>
+                  <a:schemeClr val="bg1"/>
+                </a:solidFill>
+                <a:latin typeface="야놀자 야체 B" panose="02020603020101020101" pitchFamily="18" charset="-127"/>
+                <a:ea typeface="야놀자 야체 B" panose="02020603020101020101" pitchFamily="18" charset="-127"/>
+              </a:rPr>
+              <a:t>초기 프로토타입</a:t>
+            </a:r>
+          </a:p>
+        </p:txBody>
+      </p:sp>
+      <p:sp>
+        <p:nvSpPr>
+          <p:cNvPr id="16" name="자유형 15"/>
+          <p:cNvSpPr/>
+          <p:nvPr/>
+        </p:nvSpPr>
+        <p:spPr>
+          <a:xfrm>
+            <a:off x="2" y="0"/>
+            <a:ext cx="12191999" cy="965200"/>
+          </a:xfrm>
+          <a:custGeom>
+            <a:avLst/>
+            <a:gdLst>
+              <a:gd name="connsiteX0" fmla="*/ 0 w 12191999"/>
+              <a:gd name="connsiteY0" fmla="*/ 0 h 965200"/>
+              <a:gd name="connsiteX1" fmla="*/ 12191999 w 12191999"/>
+              <a:gd name="connsiteY1" fmla="*/ 0 h 965200"/>
+              <a:gd name="connsiteX2" fmla="*/ 12191999 w 12191999"/>
+              <a:gd name="connsiteY2" fmla="*/ 621393 h 965200"/>
+              <a:gd name="connsiteX3" fmla="*/ 11155972 w 12191999"/>
+              <a:gd name="connsiteY3" fmla="*/ 621393 h 965200"/>
+              <a:gd name="connsiteX4" fmla="*/ 11009922 w 12191999"/>
+              <a:gd name="connsiteY4" fmla="*/ 767443 h 965200"/>
+              <a:gd name="connsiteX5" fmla="*/ 11015966 w 12191999"/>
+              <a:gd name="connsiteY5" fmla="*/ 797379 h 965200"/>
+              <a:gd name="connsiteX6" fmla="*/ 9981222 w 12191999"/>
+              <a:gd name="connsiteY6" fmla="*/ 797379 h 965200"/>
+              <a:gd name="connsiteX7" fmla="*/ 9835172 w 12191999"/>
+              <a:gd name="connsiteY7" fmla="*/ 943429 h 965200"/>
+              <a:gd name="connsiteX8" fmla="*/ 9839567 w 12191999"/>
+              <a:gd name="connsiteY8" fmla="*/ 965200 h 965200"/>
+              <a:gd name="connsiteX9" fmla="*/ 8241580 w 12191999"/>
+              <a:gd name="connsiteY9" fmla="*/ 965200 h 965200"/>
+              <a:gd name="connsiteX10" fmla="*/ 8219038 w 12191999"/>
+              <a:gd name="connsiteY10" fmla="*/ 931765 h 965200"/>
+              <a:gd name="connsiteX11" fmla="*/ 8123462 w 12191999"/>
+              <a:gd name="connsiteY11" fmla="*/ 892177 h 965200"/>
+              <a:gd name="connsiteX12" fmla="*/ 5353956 w 12191999"/>
+              <a:gd name="connsiteY12" fmla="*/ 892177 h 965200"/>
+              <a:gd name="connsiteX13" fmla="*/ 5258380 w 12191999"/>
+              <a:gd name="connsiteY13" fmla="*/ 931765 h 965200"/>
+              <a:gd name="connsiteX14" fmla="*/ 5235837 w 12191999"/>
+              <a:gd name="connsiteY14" fmla="*/ 965200 h 965200"/>
+              <a:gd name="connsiteX15" fmla="*/ 689794 w 12191999"/>
+              <a:gd name="connsiteY15" fmla="*/ 965200 h 965200"/>
+              <a:gd name="connsiteX16" fmla="*/ 694190 w 12191999"/>
+              <a:gd name="connsiteY16" fmla="*/ 943429 h 965200"/>
+              <a:gd name="connsiteX17" fmla="*/ 548140 w 12191999"/>
+              <a:gd name="connsiteY17" fmla="*/ 797379 h 965200"/>
+              <a:gd name="connsiteX18" fmla="*/ 393968 w 12191999"/>
+              <a:gd name="connsiteY18" fmla="*/ 797379 h 965200"/>
+              <a:gd name="connsiteX19" fmla="*/ 394151 w 12191999"/>
+              <a:gd name="connsiteY19" fmla="*/ 796472 h 965200"/>
+              <a:gd name="connsiteX20" fmla="*/ 248101 w 12191999"/>
+              <a:gd name="connsiteY20" fmla="*/ 650422 h 965200"/>
+              <a:gd name="connsiteX21" fmla="*/ 0 w 12191999"/>
+              <a:gd name="connsiteY21" fmla="*/ 650422 h 965200"/>
+            </a:gdLst>
+            <a:ahLst/>
+            <a:cxnLst>
+              <a:cxn ang="0">
+                <a:pos x="connsiteX0" y="connsiteY0"/>
+              </a:cxn>
+              <a:cxn ang="0">
+                <a:pos x="connsiteX1" y="connsiteY1"/>
+              </a:cxn>
+              <a:cxn ang="0">
+                <a:pos x="connsiteX2" y="connsiteY2"/>
+              </a:cxn>
+              <a:cxn ang="0">
+                <a:pos x="connsiteX3" y="connsiteY3"/>
+              </a:cxn>
+              <a:cxn ang="0">
+                <a:pos x="connsiteX4" y="connsiteY4"/>
+              </a:cxn>
+              <a:cxn ang="0">
+                <a:pos x="connsiteX5" y="connsiteY5"/>
+              </a:cxn>
+              <a:cxn ang="0">
+                <a:pos x="connsiteX6" y="connsiteY6"/>
+              </a:cxn>
+              <a:cxn ang="0">
+                <a:pos x="connsiteX7" y="connsiteY7"/>
+              </a:cxn>
+              <a:cxn ang="0">
+                <a:pos x="connsiteX8" y="connsiteY8"/>
+              </a:cxn>
+              <a:cxn ang="0">
+                <a:pos x="connsiteX9" y="connsiteY9"/>
+              </a:cxn>
+              <a:cxn ang="0">
+                <a:pos x="connsiteX10" y="connsiteY10"/>
+              </a:cxn>
+              <a:cxn ang="0">
+                <a:pos x="connsiteX11" y="connsiteY11"/>
+              </a:cxn>
+              <a:cxn ang="0">
+                <a:pos x="connsiteX12" y="connsiteY12"/>
+              </a:cxn>
+              <a:cxn ang="0">
+                <a:pos x="connsiteX13" y="connsiteY13"/>
+              </a:cxn>
+              <a:cxn ang="0">
+                <a:pos x="connsiteX14" y="connsiteY14"/>
+              </a:cxn>
+              <a:cxn ang="0">
+                <a:pos x="connsiteX15" y="connsiteY15"/>
+              </a:cxn>
+              <a:cxn ang="0">
+                <a:pos x="connsiteX16" y="connsiteY16"/>
+              </a:cxn>
+              <a:cxn ang="0">
+                <a:pos x="connsiteX17" y="connsiteY17"/>
+              </a:cxn>
+              <a:cxn ang="0">
+                <a:pos x="connsiteX18" y="connsiteY18"/>
+              </a:cxn>
+              <a:cxn ang="0">
+                <a:pos x="connsiteX19" y="connsiteY19"/>
+              </a:cxn>
+              <a:cxn ang="0">
+                <a:pos x="connsiteX20" y="connsiteY20"/>
+              </a:cxn>
+              <a:cxn ang="0">
+                <a:pos x="connsiteX21" y="connsiteY21"/>
+              </a:cxn>
+            </a:cxnLst>
+            <a:rect l="l" t="t" r="r" b="b"/>
+            <a:pathLst>
+              <a:path w="12191999" h="965200">
+                <a:moveTo>
+                  <a:pt x="0" y="0"/>
+                </a:moveTo>
+                <a:lnTo>
+                  <a:pt x="12191999" y="0"/>
+                </a:lnTo>
+                <a:lnTo>
+                  <a:pt x="12191999" y="621393"/>
+                </a:lnTo>
+                <a:lnTo>
+                  <a:pt x="11155972" y="621393"/>
+                </a:lnTo>
+                <a:cubicBezTo>
+                  <a:pt x="11075311" y="621393"/>
+                  <a:pt x="11009922" y="686782"/>
+                  <a:pt x="11009922" y="767443"/>
+                </a:cubicBezTo>
+                <a:lnTo>
+                  <a:pt x="11015966" y="797379"/>
+                </a:lnTo>
+                <a:lnTo>
+                  <a:pt x="9981222" y="797379"/>
+                </a:lnTo>
+                <a:cubicBezTo>
+                  <a:pt x="9900561" y="797379"/>
+                  <a:pt x="9835172" y="862768"/>
+                  <a:pt x="9835172" y="943429"/>
+                </a:cubicBezTo>
+                <a:lnTo>
+                  <a:pt x="9839567" y="965200"/>
+                </a:lnTo>
+                <a:lnTo>
+                  <a:pt x="8241580" y="965200"/>
+                </a:lnTo>
+                <a:lnTo>
+                  <a:pt x="8219038" y="931765"/>
+                </a:lnTo>
+                <a:cubicBezTo>
+                  <a:pt x="8194578" y="907305"/>
+                  <a:pt x="8160787" y="892177"/>
+                  <a:pt x="8123462" y="892177"/>
+                </a:cubicBezTo>
+                <a:lnTo>
+                  <a:pt x="5353956" y="892177"/>
+                </a:lnTo>
+                <a:cubicBezTo>
+                  <a:pt x="5316631" y="892177"/>
+                  <a:pt x="5282840" y="907305"/>
+                  <a:pt x="5258380" y="931765"/>
+                </a:cubicBezTo>
+                <a:lnTo>
+                  <a:pt x="5235837" y="965200"/>
+                </a:lnTo>
+                <a:lnTo>
+                  <a:pt x="689794" y="965200"/>
+                </a:lnTo>
+                <a:lnTo>
+                  <a:pt x="694190" y="943429"/>
+                </a:lnTo>
+                <a:cubicBezTo>
+                  <a:pt x="694190" y="862768"/>
+                  <a:pt x="628801" y="797379"/>
+                  <a:pt x="548140" y="797379"/>
+                </a:cubicBezTo>
+                <a:lnTo>
+                  <a:pt x="393968" y="797379"/>
+                </a:lnTo>
+                <a:lnTo>
+                  <a:pt x="394151" y="796472"/>
+                </a:lnTo>
+                <a:cubicBezTo>
+                  <a:pt x="394151" y="715811"/>
+                  <a:pt x="328762" y="650422"/>
+                  <a:pt x="248101" y="650422"/>
+                </a:cubicBezTo>
+                <a:lnTo>
+                  <a:pt x="0" y="650422"/>
+                </a:lnTo>
+                <a:close/>
+              </a:path>
+            </a:pathLst>
+          </a:custGeom>
+          <a:solidFill>
+            <a:srgbClr val="8CD3D5"/>
+          </a:solidFill>
+          <a:ln>
+            <a:noFill/>
+          </a:ln>
+        </p:spPr>
+        <p:style>
+          <a:lnRef idx="2">
+            <a:schemeClr val="accent1">
+              <a:shade val="50000"/>
+            </a:schemeClr>
+          </a:lnRef>
+          <a:fillRef idx="1">
+            <a:schemeClr val="accent1"/>
+          </a:fillRef>
+          <a:effectRef idx="0">
+            <a:schemeClr val="accent1"/>
+          </a:effectRef>
+          <a:fontRef idx="minor">
+            <a:schemeClr val="lt1"/>
+          </a:fontRef>
+        </p:style>
+        <p:txBody>
+          <a:bodyPr wrap="square" rtlCol="0" anchor="ctr">
+            <a:noAutofit/>
+          </a:bodyPr>
+          <a:lstStyle/>
+          <a:p>
+            <a:pPr lvl="2">
+              <a:lnSpc>
+                <a:spcPct val="150000"/>
+              </a:lnSpc>
+            </a:pPr>
+            <a:r>
+              <a:rPr lang="ko-KR" altLang="en-US" sz="1600" i="1" dirty="0">
+                <a:solidFill>
+                  <a:prstClr val="white"/>
+                </a:solidFill>
+              </a:rPr>
+              <a:t>캡스톤 디자인 프로젝트</a:t>
+            </a:r>
+            <a:r>
+              <a:rPr lang="en-US" altLang="ko-KR" sz="1600" i="1" dirty="0">
+                <a:solidFill>
+                  <a:prstClr val="white"/>
+                </a:solidFill>
+              </a:rPr>
+              <a:t> </a:t>
+            </a:r>
+            <a:r>
+              <a:rPr lang="en-US" altLang="ko-KR" sz="2000" b="1" i="1" dirty="0">
+                <a:solidFill>
+                  <a:prstClr val="white"/>
+                </a:solidFill>
+              </a:rPr>
+              <a:t>IRMI</a:t>
+            </a:r>
+          </a:p>
+          <a:p>
+            <a:pPr lvl="2">
+              <a:lnSpc>
+                <a:spcPct val="200000"/>
+              </a:lnSpc>
+            </a:pPr>
+            <a:r>
+              <a:rPr lang="en-US" altLang="ko-KR" sz="900" dirty="0">
+                <a:solidFill>
+                  <a:prstClr val="white"/>
+                </a:solidFill>
+              </a:rPr>
+              <a:t>Interactive Real-time Motion Infographics</a:t>
+            </a:r>
+          </a:p>
+        </p:txBody>
+      </p:sp>
+      <p:sp>
+        <p:nvSpPr>
+          <p:cNvPr id="13" name="직사각형 12">
+            <a:extLst>
+              <a:ext uri="{FF2B5EF4-FFF2-40B4-BE49-F238E27FC236}">
+                <a16:creationId xmlns:a16="http://schemas.microsoft.com/office/drawing/2014/main" id="{E94D1B1D-2668-3A42-9738-C3027AF2FA77}"/>
+              </a:ext>
+            </a:extLst>
+          </p:cNvPr>
+          <p:cNvSpPr/>
+          <p:nvPr/>
+        </p:nvSpPr>
+        <p:spPr>
+          <a:xfrm>
+            <a:off x="8374743" y="154639"/>
+            <a:ext cx="3217182" cy="461665"/>
+          </a:xfrm>
+          <a:prstGeom prst="rect">
+            <a:avLst/>
+          </a:prstGeom>
+        </p:spPr>
+        <p:txBody>
+          <a:bodyPr wrap="square">
+            <a:spAutoFit/>
+          </a:bodyPr>
+          <a:lstStyle/>
+          <a:p>
+            <a:r>
+              <a:rPr lang="en-US" altLang="ko-KR" sz="2400" b="1" dirty="0">
+                <a:solidFill>
+                  <a:schemeClr val="bg1"/>
+                </a:solidFill>
+              </a:rPr>
+              <a:t>03</a:t>
+            </a:r>
+            <a:r>
+              <a:rPr lang="ko-KR" altLang="en-US" sz="2400" b="1" dirty="0">
+                <a:solidFill>
+                  <a:schemeClr val="bg1"/>
+                </a:solidFill>
+              </a:rPr>
+              <a:t> 개발 내용</a:t>
+            </a:r>
+            <a:endParaRPr lang="ko-KR" altLang="en-US" sz="2400" dirty="0">
+              <a:solidFill>
+                <a:schemeClr val="bg1"/>
+              </a:solidFill>
+            </a:endParaRPr>
+          </a:p>
+        </p:txBody>
+      </p:sp>
+      <p:pic>
+        <p:nvPicPr>
+          <p:cNvPr id="3" name="그림 2">
+            <a:extLst>
+              <a:ext uri="{FF2B5EF4-FFF2-40B4-BE49-F238E27FC236}">
+                <a16:creationId xmlns:a16="http://schemas.microsoft.com/office/drawing/2014/main" id="{3FF90E6F-C3C1-394B-BF4D-C97593BB2FA7}"/>
+              </a:ext>
+            </a:extLst>
+          </p:cNvPr>
+          <p:cNvPicPr>
+            <a:picLocks noChangeAspect="1"/>
+          </p:cNvPicPr>
+          <p:nvPr/>
+        </p:nvPicPr>
+        <p:blipFill>
+          <a:blip r:embed="rId2">
+            <a:extLst>
+              <a:ext uri="{28A0092B-C50C-407E-A947-70E740481C1C}">
+                <a14:useLocalDpi xmlns:a14="http://schemas.microsoft.com/office/drawing/2010/main" val="0"/>
+              </a:ext>
+            </a:extLst>
+          </a:blip>
+          <a:stretch>
+            <a:fillRect/>
+          </a:stretch>
+        </p:blipFill>
+        <p:spPr>
+          <a:xfrm>
+            <a:off x="512956" y="2007220"/>
+            <a:ext cx="5721726" cy="1728438"/>
+          </a:xfrm>
+          <a:prstGeom prst="rect">
+            <a:avLst/>
+          </a:prstGeom>
+        </p:spPr>
+      </p:pic>
+      <p:pic>
+        <p:nvPicPr>
+          <p:cNvPr id="6" name="그림 5">
+            <a:extLst>
+              <a:ext uri="{FF2B5EF4-FFF2-40B4-BE49-F238E27FC236}">
+                <a16:creationId xmlns:a16="http://schemas.microsoft.com/office/drawing/2014/main" id="{A1A24E45-4918-5848-8956-523E646E9B7F}"/>
+              </a:ext>
+            </a:extLst>
+          </p:cNvPr>
+          <p:cNvPicPr>
+            <a:picLocks noChangeAspect="1"/>
+          </p:cNvPicPr>
+          <p:nvPr/>
+        </p:nvPicPr>
+        <p:blipFill>
+          <a:blip r:embed="rId3">
+            <a:extLst>
+              <a:ext uri="{28A0092B-C50C-407E-A947-70E740481C1C}">
+                <a14:useLocalDpi xmlns:a14="http://schemas.microsoft.com/office/drawing/2010/main" val="0"/>
+              </a:ext>
+            </a:extLst>
+          </a:blip>
+          <a:stretch>
+            <a:fillRect/>
+          </a:stretch>
+        </p:blipFill>
+        <p:spPr>
+          <a:xfrm>
+            <a:off x="4772722" y="3822077"/>
+            <a:ext cx="6980608" cy="2835612"/>
+          </a:xfrm>
+          <a:prstGeom prst="rect">
+            <a:avLst/>
+          </a:prstGeom>
+        </p:spPr>
+      </p:pic>
+    </p:spTree>
+    <p:extLst>
+      <p:ext uri="{BB962C8B-B14F-4D97-AF65-F5344CB8AC3E}">
+        <p14:creationId xmlns:p14="http://schemas.microsoft.com/office/powerpoint/2010/main" val="2894496588"/>
+      </p:ext>
+    </p:extLst>
+  </p:cSld>
+  <p:clrMapOvr>
+    <a:masterClrMapping/>
+  </p:clrMapOvr>
+</p:sld>
+</file>
+
+<file path=ppt/slides/slide13.xml><?xml version="1.0" encoding="utf-8"?>
+<p:sld xmlns:a="http://schemas.openxmlformats.org/drawingml/2006/main" xmlns:r="http://schemas.openxmlformats.org/officeDocument/2006/relationships" xmlns:p="http://schemas.openxmlformats.org/presentationml/2006/main">
+  <p:cSld>
+    <p:bg>
+      <p:bgPr>
+        <a:solidFill>
+          <a:srgbClr val="FFFBE8"/>
+        </a:solidFill>
+        <a:effectLst/>
+      </p:bgPr>
+    </p:bg>
+    <p:spTree>
+      <p:nvGrpSpPr>
+        <p:cNvPr id="1" name=""/>
+        <p:cNvGrpSpPr/>
+        <p:nvPr/>
+      </p:nvGrpSpPr>
+      <p:grpSpPr>
+        <a:xfrm>
+          <a:off x="0" y="0"/>
+          <a:ext cx="0" cy="0"/>
+          <a:chOff x="0" y="0"/>
+          <a:chExt cx="0" cy="0"/>
+        </a:xfrm>
+      </p:grpSpPr>
       <p:graphicFrame>
         <p:nvGraphicFramePr>
           <p:cNvPr id="60" name="차트 59"/>
